--- a/SPRINT 1/Presentacion asesor unov2.pptx
+++ b/SPRINT 1/Presentacion asesor unov2.pptx
@@ -10,8 +10,8 @@
     <p:sldId id="260" r:id="rId4"/>
     <p:sldId id="261" r:id="rId5"/>
     <p:sldId id="265" r:id="rId6"/>
-    <p:sldId id="262" r:id="rId7"/>
-    <p:sldId id="263" r:id="rId8"/>
+    <p:sldId id="263" r:id="rId7"/>
+    <p:sldId id="262" r:id="rId8"/>
     <p:sldId id="264" r:id="rId9"/>
     <p:sldId id="266" r:id="rId10"/>
     <p:sldId id="267" r:id="rId11"/>
@@ -128,6 +128,27 @@
 </p:presentation>
 </file>
 
+<file path=ppt/changesInfos/changesInfo1.xml><?xml version="1.0" encoding="utf-8"?>
+<pc:chgInfo xmlns:a="http://schemas.openxmlformats.org/drawingml/2006/main" xmlns:r="http://schemas.openxmlformats.org/officeDocument/2006/relationships" xmlns:ac="http://schemas.microsoft.com/office/drawing/2013/main/command" xmlns:pc="http://schemas.microsoft.com/office/powerpoint/2013/main/command">
+  <pc:docChgLst>
+    <pc:chgData name="Adelaida Molina" userId="73a9b2cc98479d66" providerId="LiveId" clId="{8453AB98-340E-4D5F-847C-4AD43C7FA36D}"/>
+    <pc:docChg chg="modSld sldOrd">
+      <pc:chgData name="Adelaida Molina" userId="73a9b2cc98479d66" providerId="LiveId" clId="{8453AB98-340E-4D5F-847C-4AD43C7FA36D}" dt="2021-06-21T19:34:49.881" v="1"/>
+      <pc:docMkLst>
+        <pc:docMk/>
+      </pc:docMkLst>
+      <pc:sldChg chg="ord">
+        <pc:chgData name="Adelaida Molina" userId="73a9b2cc98479d66" providerId="LiveId" clId="{8453AB98-340E-4D5F-847C-4AD43C7FA36D}" dt="2021-06-21T19:34:49.881" v="1"/>
+        <pc:sldMkLst>
+          <pc:docMk/>
+          <pc:sldMk cId="461370616" sldId="262"/>
+        </pc:sldMkLst>
+      </pc:sldChg>
+    </pc:docChg>
+  </pc:docChgLst>
+</pc:chgInfo>
+</file>
+
 <file path=ppt/slideLayouts/slideLayout1.xml><?xml version="1.0" encoding="utf-8"?>
 <p:sldLayout xmlns:a="http://schemas.openxmlformats.org/drawingml/2006/main" xmlns:r="http://schemas.openxmlformats.org/officeDocument/2006/relationships" xmlns:p="http://schemas.openxmlformats.org/presentationml/2006/main" showMasterSp="0" type="title" preserve="1">
   <p:cSld name="Diapositiva de título">
@@ -581,7 +602,7 @@
           <a:p>
             <a:fld id="{F0756DDB-0285-4862-ACCC-DF1BE98EB6DD}" type="datetimeFigureOut">
               <a:rPr lang="es-MX" smtClean="0"/>
-              <a:t>04/12/2020</a:t>
+              <a:t>21/06/2021</a:t>
             </a:fld>
             <a:endParaRPr lang="es-MX"/>
           </a:p>
@@ -913,7 +934,7 @@
           <a:p>
             <a:fld id="{F0756DDB-0285-4862-ACCC-DF1BE98EB6DD}" type="datetimeFigureOut">
               <a:rPr lang="es-MX" smtClean="0"/>
-              <a:t>04/12/2020</a:t>
+              <a:t>21/06/2021</a:t>
             </a:fld>
             <a:endParaRPr lang="es-MX"/>
           </a:p>
@@ -1109,7 +1130,7 @@
           <a:p>
             <a:fld id="{F0756DDB-0285-4862-ACCC-DF1BE98EB6DD}" type="datetimeFigureOut">
               <a:rPr lang="es-MX" smtClean="0"/>
-              <a:t>04/12/2020</a:t>
+              <a:t>21/06/2021</a:t>
             </a:fld>
             <a:endParaRPr lang="es-MX"/>
           </a:p>
@@ -1379,7 +1400,7 @@
           <a:p>
             <a:fld id="{F0756DDB-0285-4862-ACCC-DF1BE98EB6DD}" type="datetimeFigureOut">
               <a:rPr lang="es-MX" smtClean="0"/>
-              <a:t>04/12/2020</a:t>
+              <a:t>21/06/2021</a:t>
             </a:fld>
             <a:endParaRPr lang="es-MX"/>
           </a:p>
@@ -1807,7 +1828,7 @@
           <a:p>
             <a:fld id="{F0756DDB-0285-4862-ACCC-DF1BE98EB6DD}" type="datetimeFigureOut">
               <a:rPr lang="es-MX" smtClean="0"/>
-              <a:t>04/12/2020</a:t>
+              <a:t>21/06/2021</a:t>
             </a:fld>
             <a:endParaRPr lang="es-MX"/>
           </a:p>
@@ -2357,7 +2378,7 @@
           <a:p>
             <a:fld id="{F0756DDB-0285-4862-ACCC-DF1BE98EB6DD}" type="datetimeFigureOut">
               <a:rPr lang="es-MX" smtClean="0"/>
-              <a:t>04/12/2020</a:t>
+              <a:t>21/06/2021</a:t>
             </a:fld>
             <a:endParaRPr lang="es-MX"/>
           </a:p>
@@ -3147,7 +3168,7 @@
           <a:p>
             <a:fld id="{F0756DDB-0285-4862-ACCC-DF1BE98EB6DD}" type="datetimeFigureOut">
               <a:rPr lang="es-MX" smtClean="0"/>
-              <a:t>04/12/2020</a:t>
+              <a:t>21/06/2021</a:t>
             </a:fld>
             <a:endParaRPr lang="es-MX"/>
           </a:p>
@@ -3326,7 +3347,7 @@
           <a:p>
             <a:fld id="{F0756DDB-0285-4862-ACCC-DF1BE98EB6DD}" type="datetimeFigureOut">
               <a:rPr lang="es-MX" smtClean="0"/>
-              <a:t>04/12/2020</a:t>
+              <a:t>21/06/2021</a:t>
             </a:fld>
             <a:endParaRPr lang="es-MX"/>
           </a:p>
@@ -3510,7 +3531,7 @@
           <a:p>
             <a:fld id="{F0756DDB-0285-4862-ACCC-DF1BE98EB6DD}" type="datetimeFigureOut">
               <a:rPr lang="es-MX" smtClean="0"/>
-              <a:t>04/12/2020</a:t>
+              <a:t>21/06/2021</a:t>
             </a:fld>
             <a:endParaRPr lang="es-MX"/>
           </a:p>
@@ -3685,7 +3706,7 @@
           <a:p>
             <a:fld id="{F0756DDB-0285-4862-ACCC-DF1BE98EB6DD}" type="datetimeFigureOut">
               <a:rPr lang="es-MX" smtClean="0"/>
-              <a:t>04/12/2020</a:t>
+              <a:t>21/06/2021</a:t>
             </a:fld>
             <a:endParaRPr lang="es-MX"/>
           </a:p>
@@ -3935,7 +3956,7 @@
           <a:p>
             <a:fld id="{F0756DDB-0285-4862-ACCC-DF1BE98EB6DD}" type="datetimeFigureOut">
               <a:rPr lang="es-MX" smtClean="0"/>
-              <a:t>04/12/2020</a:t>
+              <a:t>21/06/2021</a:t>
             </a:fld>
             <a:endParaRPr lang="es-MX"/>
           </a:p>
@@ -4172,7 +4193,7 @@
           <a:p>
             <a:fld id="{F0756DDB-0285-4862-ACCC-DF1BE98EB6DD}" type="datetimeFigureOut">
               <a:rPr lang="es-MX" smtClean="0"/>
-              <a:t>04/12/2020</a:t>
+              <a:t>21/06/2021</a:t>
             </a:fld>
             <a:endParaRPr lang="es-MX"/>
           </a:p>
@@ -4557,7 +4578,7 @@
           <a:p>
             <a:fld id="{F0756DDB-0285-4862-ACCC-DF1BE98EB6DD}" type="datetimeFigureOut">
               <a:rPr lang="es-MX" smtClean="0"/>
-              <a:t>04/12/2020</a:t>
+              <a:t>21/06/2021</a:t>
             </a:fld>
             <a:endParaRPr lang="es-MX"/>
           </a:p>
@@ -4675,7 +4696,7 @@
           <a:p>
             <a:fld id="{F0756DDB-0285-4862-ACCC-DF1BE98EB6DD}" type="datetimeFigureOut">
               <a:rPr lang="es-MX" smtClean="0"/>
-              <a:t>04/12/2020</a:t>
+              <a:t>21/06/2021</a:t>
             </a:fld>
             <a:endParaRPr lang="es-MX"/>
           </a:p>
@@ -4770,7 +4791,7 @@
           <a:p>
             <a:fld id="{F0756DDB-0285-4862-ACCC-DF1BE98EB6DD}" type="datetimeFigureOut">
               <a:rPr lang="es-MX" smtClean="0"/>
-              <a:t>04/12/2020</a:t>
+              <a:t>21/06/2021</a:t>
             </a:fld>
             <a:endParaRPr lang="es-MX"/>
           </a:p>
@@ -5023,7 +5044,7 @@
           <a:p>
             <a:fld id="{F0756DDB-0285-4862-ACCC-DF1BE98EB6DD}" type="datetimeFigureOut">
               <a:rPr lang="es-MX" smtClean="0"/>
-              <a:t>04/12/2020</a:t>
+              <a:t>21/06/2021</a:t>
             </a:fld>
             <a:endParaRPr lang="es-MX"/>
           </a:p>
@@ -5292,7 +5313,7 @@
           <a:p>
             <a:fld id="{F0756DDB-0285-4862-ACCC-DF1BE98EB6DD}" type="datetimeFigureOut">
               <a:rPr lang="es-MX" smtClean="0"/>
-              <a:t>04/12/2020</a:t>
+              <a:t>21/06/2021</a:t>
             </a:fld>
             <a:endParaRPr lang="es-MX"/>
           </a:p>
@@ -5695,7 +5716,7 @@
           <a:p>
             <a:fld id="{F0756DDB-0285-4862-ACCC-DF1BE98EB6DD}" type="datetimeFigureOut">
               <a:rPr lang="es-MX" smtClean="0"/>
-              <a:t>04/12/2020</a:t>
+              <a:t>21/06/2021</a:t>
             </a:fld>
             <a:endParaRPr lang="es-MX"/>
           </a:p>
@@ -8428,12 +8449,55 @@
           <a:chExt cx="0" cy="0"/>
         </a:xfrm>
       </p:grpSpPr>
-      <p:sp>
-        <p:nvSpPr>
-          <p:cNvPr id="2" name="CuadroTexto 1">
+      <p:pic>
+        <p:nvPicPr>
+          <p:cNvPr id="6" name="Imagen 5">
             <a:extLst>
               <a:ext uri="{FF2B5EF4-FFF2-40B4-BE49-F238E27FC236}">
-                <a16:creationId xmlns:a16="http://schemas.microsoft.com/office/drawing/2014/main" id="{535A342C-85A0-4F48-9F14-8416A777832D}"/>
+                <a16:creationId xmlns:a16="http://schemas.microsoft.com/office/drawing/2014/main" id="{0D1F5296-B03E-4926-BABA-8AA5EAA0F55F}"/>
+              </a:ext>
+            </a:extLst>
+          </p:cNvPr>
+          <p:cNvPicPr>
+            <a:picLocks noChangeAspect="1"/>
+          </p:cNvPicPr>
+          <p:nvPr/>
+        </p:nvPicPr>
+        <p:blipFill rotWithShape="1">
+          <a:blip r:embed="rId2">
+            <a:extLst>
+              <a:ext uri="{BEBA8EAE-BF5A-486C-A8C5-ECC9F3942E4B}">
+                <a14:imgProps xmlns:a14="http://schemas.microsoft.com/office/drawing/2010/main">
+                  <a14:imgLayer r:embed="rId3">
+                    <a14:imgEffect>
+                      <a14:backgroundRemoval t="38187" b="56868" l="31259" r="42533">
+                        <a14:foregroundMark x1="37042" y1="43544" x2="37042" y2="43544"/>
+                      </a14:backgroundRemoval>
+                    </a14:imgEffect>
+                  </a14:imgLayer>
+                </a14:imgProps>
+              </a:ext>
+            </a:extLst>
+          </a:blip>
+          <a:srcRect l="31630" t="38222" r="57392" b="43371"/>
+          <a:stretch/>
+        </p:blipFill>
+        <p:spPr>
+          <a:xfrm>
+            <a:off x="9597886" y="3161609"/>
+            <a:ext cx="1338470" cy="1196009"/>
+          </a:xfrm>
+          <a:prstGeom prst="rect">
+            <a:avLst/>
+          </a:prstGeom>
+        </p:spPr>
+      </p:pic>
+      <p:sp>
+        <p:nvSpPr>
+          <p:cNvPr id="3" name="CuadroTexto 2">
+            <a:extLst>
+              <a:ext uri="{FF2B5EF4-FFF2-40B4-BE49-F238E27FC236}">
+                <a16:creationId xmlns:a16="http://schemas.microsoft.com/office/drawing/2014/main" id="{8A49B418-25BE-484D-811D-F7FE21C72C35}"/>
               </a:ext>
             </a:extLst>
           </p:cNvPr>
@@ -8442,8 +8506,8 @@
         </p:nvSpPr>
         <p:spPr>
           <a:xfrm>
-            <a:off x="5088835" y="636104"/>
-            <a:ext cx="1750800" cy="677108"/>
+            <a:off x="1142999" y="299824"/>
+            <a:ext cx="10416209" cy="5293757"/>
           </a:xfrm>
           <a:prstGeom prst="rect">
             <a:avLst/>
@@ -8451,51 +8515,249 @@
           <a:noFill/>
         </p:spPr>
         <p:txBody>
-          <a:bodyPr wrap="none" rtlCol="0">
-            <a:spAutoFit/>
-          </a:bodyPr>
-          <a:lstStyle/>
-          <a:p>
-            <a:r>
-              <a:rPr lang="es-MX" sz="2000" b="1" dirty="0">
-                <a:latin typeface="Arial" panose="020B0604020202020204" pitchFamily="34" charset="0"/>
-                <a:cs typeface="Arial" panose="020B0604020202020204" pitchFamily="34" charset="0"/>
-              </a:rPr>
-              <a:t>Justificación</a:t>
-            </a:r>
-          </a:p>
-          <a:p>
-            <a:endParaRPr lang="es-MX" dirty="0"/>
-          </a:p>
-        </p:txBody>
-      </p:sp>
-      <p:sp>
-        <p:nvSpPr>
-          <p:cNvPr id="3" name="CuadroTexto 2">
-            <a:extLst>
-              <a:ext uri="{FF2B5EF4-FFF2-40B4-BE49-F238E27FC236}">
-                <a16:creationId xmlns:a16="http://schemas.microsoft.com/office/drawing/2014/main" id="{C7E7C02F-835A-468A-B69F-C200520CEC10}"/>
-              </a:ext>
-            </a:extLst>
-          </p:cNvPr>
-          <p:cNvSpPr txBox="1"/>
-          <p:nvPr/>
-        </p:nvSpPr>
-        <p:spPr>
-          <a:xfrm>
-            <a:off x="1318591" y="1583061"/>
-            <a:ext cx="8792818" cy="2949525"/>
-          </a:xfrm>
-          <a:prstGeom prst="rect">
-            <a:avLst/>
-          </a:prstGeom>
-          <a:noFill/>
-        </p:spPr>
-        <p:txBody>
           <a:bodyPr wrap="square">
             <a:spAutoFit/>
           </a:bodyPr>
           <a:lstStyle/>
+          <a:p>
+            <a:pPr algn="just">
+              <a:lnSpc>
+                <a:spcPct val="150000"/>
+              </a:lnSpc>
+              <a:spcBef>
+                <a:spcPts val="1400"/>
+              </a:spcBef>
+              <a:spcAft>
+                <a:spcPts val="400"/>
+              </a:spcAft>
+            </a:pPr>
+            <a:r>
+              <a:rPr lang="es-MX" sz="2000" b="1" dirty="0">
+                <a:solidFill>
+                  <a:srgbClr val="000000"/>
+                </a:solidFill>
+                <a:effectLst/>
+                <a:latin typeface="Arial" panose="020B0604020202020204" pitchFamily="34" charset="0"/>
+                <a:ea typeface="Times New Roman" panose="02020603050405020304" pitchFamily="18" charset="0"/>
+                <a:cs typeface="Arial" panose="020B0604020202020204" pitchFamily="34" charset="0"/>
+              </a:rPr>
+              <a:t>Alcances</a:t>
+            </a:r>
+            <a:endParaRPr lang="es-MX" dirty="0">
+              <a:effectLst/>
+              <a:latin typeface="Arial" panose="020B0604020202020204" pitchFamily="34" charset="0"/>
+              <a:ea typeface="Calibri" panose="020F0502020204030204" pitchFamily="34" charset="0"/>
+              <a:cs typeface="Arial" panose="020B0604020202020204" pitchFamily="34" charset="0"/>
+            </a:endParaRPr>
+          </a:p>
+          <a:p>
+            <a:pPr marL="285750" lvl="0" indent="-285750" algn="just">
+              <a:lnSpc>
+                <a:spcPct val="150000"/>
+              </a:lnSpc>
+              <a:spcAft>
+                <a:spcPts val="400"/>
+              </a:spcAft>
+              <a:buFont typeface="Arial" panose="020B0604020202020204" pitchFamily="34" charset="0"/>
+              <a:buChar char="•"/>
+            </a:pPr>
+            <a:r>
+              <a:rPr lang="es-MX" u="none" strike="noStrike" dirty="0">
+                <a:effectLst/>
+                <a:latin typeface="Arial" panose="020B0604020202020204" pitchFamily="34" charset="0"/>
+                <a:ea typeface="Times New Roman" panose="02020603050405020304" pitchFamily="18" charset="0"/>
+                <a:cs typeface="Arial" panose="020B0604020202020204" pitchFamily="34" charset="0"/>
+              </a:rPr>
+              <a:t>El sistema administrará el inventario de las sucursales de Farmacias GI.</a:t>
+            </a:r>
+            <a:endParaRPr lang="es-MX" u="none" strike="noStrike" dirty="0">
+              <a:effectLst/>
+              <a:latin typeface="Arial" panose="020B0604020202020204" pitchFamily="34" charset="0"/>
+              <a:ea typeface="Calibri" panose="020F0502020204030204" pitchFamily="34" charset="0"/>
+              <a:cs typeface="Arial" panose="020B0604020202020204" pitchFamily="34" charset="0"/>
+            </a:endParaRPr>
+          </a:p>
+          <a:p>
+            <a:pPr marL="285750" lvl="0" indent="-285750" algn="just">
+              <a:lnSpc>
+                <a:spcPct val="150000"/>
+              </a:lnSpc>
+              <a:spcAft>
+                <a:spcPts val="400"/>
+              </a:spcAft>
+              <a:buFont typeface="Arial" panose="020B0604020202020204" pitchFamily="34" charset="0"/>
+              <a:buChar char="•"/>
+            </a:pPr>
+            <a:r>
+              <a:rPr lang="es-MX" u="none" strike="noStrike" dirty="0">
+                <a:effectLst/>
+                <a:latin typeface="Arial" panose="020B0604020202020204" pitchFamily="34" charset="0"/>
+                <a:ea typeface="Times New Roman" panose="02020603050405020304" pitchFamily="18" charset="0"/>
+                <a:cs typeface="Arial" panose="020B0604020202020204" pitchFamily="34" charset="0"/>
+              </a:rPr>
+              <a:t>El sistema controlará la compra-venta de los productos.</a:t>
+            </a:r>
+            <a:endParaRPr lang="es-MX" u="none" strike="noStrike" dirty="0">
+              <a:effectLst/>
+              <a:latin typeface="Arial" panose="020B0604020202020204" pitchFamily="34" charset="0"/>
+              <a:ea typeface="Calibri" panose="020F0502020204030204" pitchFamily="34" charset="0"/>
+              <a:cs typeface="Arial" panose="020B0604020202020204" pitchFamily="34" charset="0"/>
+            </a:endParaRPr>
+          </a:p>
+          <a:p>
+            <a:pPr marL="285750" lvl="0" indent="-285750" algn="just">
+              <a:lnSpc>
+                <a:spcPct val="150000"/>
+              </a:lnSpc>
+              <a:spcAft>
+                <a:spcPts val="400"/>
+              </a:spcAft>
+              <a:buFont typeface="Arial" panose="020B0604020202020204" pitchFamily="34" charset="0"/>
+              <a:buChar char="•"/>
+            </a:pPr>
+            <a:r>
+              <a:rPr lang="es-MX" u="none" strike="noStrike" dirty="0">
+                <a:effectLst/>
+                <a:latin typeface="Arial" panose="020B0604020202020204" pitchFamily="34" charset="0"/>
+                <a:ea typeface="Times New Roman" panose="02020603050405020304" pitchFamily="18" charset="0"/>
+                <a:cs typeface="Arial" panose="020B0604020202020204" pitchFamily="34" charset="0"/>
+              </a:rPr>
+              <a:t>El sistema hará un control de inventario rápido.</a:t>
+            </a:r>
+          </a:p>
+          <a:p>
+            <a:pPr marL="285750" lvl="0" indent="-285750" algn="just">
+              <a:lnSpc>
+                <a:spcPct val="150000"/>
+              </a:lnSpc>
+              <a:spcAft>
+                <a:spcPts val="400"/>
+              </a:spcAft>
+              <a:buFont typeface="Arial" panose="020B0604020202020204" pitchFamily="34" charset="0"/>
+              <a:buChar char="•"/>
+            </a:pPr>
+            <a:endParaRPr lang="es-MX" u="none" strike="noStrike" dirty="0">
+              <a:effectLst/>
+              <a:latin typeface="Arial" panose="020B0604020202020204" pitchFamily="34" charset="0"/>
+              <a:ea typeface="Calibri" panose="020F0502020204030204" pitchFamily="34" charset="0"/>
+              <a:cs typeface="Arial" panose="020B0604020202020204" pitchFamily="34" charset="0"/>
+            </a:endParaRPr>
+          </a:p>
+          <a:p>
+            <a:pPr algn="just">
+              <a:lnSpc>
+                <a:spcPct val="150000"/>
+              </a:lnSpc>
+              <a:spcBef>
+                <a:spcPts val="1400"/>
+              </a:spcBef>
+              <a:spcAft>
+                <a:spcPts val="400"/>
+              </a:spcAft>
+            </a:pPr>
+            <a:r>
+              <a:rPr lang="es-MX" sz="2000" b="1" dirty="0">
+                <a:solidFill>
+                  <a:srgbClr val="000000"/>
+                </a:solidFill>
+                <a:effectLst/>
+                <a:latin typeface="Arial" panose="020B0604020202020204" pitchFamily="34" charset="0"/>
+                <a:ea typeface="Times New Roman" panose="02020603050405020304" pitchFamily="18" charset="0"/>
+                <a:cs typeface="Arial" panose="020B0604020202020204" pitchFamily="34" charset="0"/>
+              </a:rPr>
+              <a:t>Limitaciones</a:t>
+            </a:r>
+            <a:r>
+              <a:rPr lang="es-MX" b="1" dirty="0">
+                <a:solidFill>
+                  <a:srgbClr val="000000"/>
+                </a:solidFill>
+                <a:effectLst/>
+                <a:latin typeface="Arial" panose="020B0604020202020204" pitchFamily="34" charset="0"/>
+                <a:ea typeface="Times New Roman" panose="02020603050405020304" pitchFamily="18" charset="0"/>
+                <a:cs typeface="Arial" panose="020B0604020202020204" pitchFamily="34" charset="0"/>
+              </a:rPr>
+              <a:t>	</a:t>
+            </a:r>
+            <a:endParaRPr lang="es-MX" dirty="0">
+              <a:effectLst/>
+              <a:latin typeface="Arial" panose="020B0604020202020204" pitchFamily="34" charset="0"/>
+              <a:ea typeface="Calibri" panose="020F0502020204030204" pitchFamily="34" charset="0"/>
+              <a:cs typeface="Arial" panose="020B0604020202020204" pitchFamily="34" charset="0"/>
+            </a:endParaRPr>
+          </a:p>
+          <a:p>
+            <a:pPr marL="285750" lvl="0" indent="-285750" algn="just">
+              <a:lnSpc>
+                <a:spcPct val="150000"/>
+              </a:lnSpc>
+              <a:spcAft>
+                <a:spcPts val="400"/>
+              </a:spcAft>
+              <a:buFont typeface="Arial" panose="020B0604020202020204" pitchFamily="34" charset="0"/>
+              <a:buChar char="•"/>
+            </a:pPr>
+            <a:r>
+              <a:rPr lang="es-MX" u="none" strike="noStrike" dirty="0">
+                <a:effectLst/>
+                <a:latin typeface="Arial" panose="020B0604020202020204" pitchFamily="34" charset="0"/>
+                <a:ea typeface="Times New Roman" panose="02020603050405020304" pitchFamily="18" charset="0"/>
+                <a:cs typeface="Arial" panose="020B0604020202020204" pitchFamily="34" charset="0"/>
+              </a:rPr>
+              <a:t>El </a:t>
+            </a:r>
+            <a:r>
+              <a:rPr lang="es-MX" u="none" strike="noStrike" dirty="0" err="1">
+                <a:effectLst/>
+                <a:latin typeface="Arial" panose="020B0604020202020204" pitchFamily="34" charset="0"/>
+                <a:ea typeface="Times New Roman" panose="02020603050405020304" pitchFamily="18" charset="0"/>
+                <a:cs typeface="Arial" panose="020B0604020202020204" pitchFamily="34" charset="0"/>
+              </a:rPr>
+              <a:t>ecommerce</a:t>
+            </a:r>
+            <a:r>
+              <a:rPr lang="es-MX" u="none" strike="noStrike" dirty="0">
+                <a:effectLst/>
+                <a:latin typeface="Arial" panose="020B0604020202020204" pitchFamily="34" charset="0"/>
+                <a:ea typeface="Times New Roman" panose="02020603050405020304" pitchFamily="18" charset="0"/>
+                <a:cs typeface="Arial" panose="020B0604020202020204" pitchFamily="34" charset="0"/>
+              </a:rPr>
+              <a:t> sólo podrá realizar ventas en Zimatlán de Álvarez, Oaxaca. </a:t>
+            </a:r>
+            <a:endParaRPr lang="es-MX" u="none" strike="noStrike" dirty="0">
+              <a:effectLst/>
+              <a:latin typeface="Arial" panose="020B0604020202020204" pitchFamily="34" charset="0"/>
+              <a:ea typeface="Calibri" panose="020F0502020204030204" pitchFamily="34" charset="0"/>
+              <a:cs typeface="Arial" panose="020B0604020202020204" pitchFamily="34" charset="0"/>
+            </a:endParaRPr>
+          </a:p>
+          <a:p>
+            <a:pPr marL="285750" lvl="0" indent="-285750" algn="just">
+              <a:lnSpc>
+                <a:spcPct val="150000"/>
+              </a:lnSpc>
+              <a:spcAft>
+                <a:spcPts val="400"/>
+              </a:spcAft>
+              <a:buFont typeface="Arial" panose="020B0604020202020204" pitchFamily="34" charset="0"/>
+              <a:buChar char="•"/>
+            </a:pPr>
+            <a:r>
+              <a:rPr lang="es-MX" u="none" strike="noStrike" dirty="0">
+                <a:effectLst/>
+                <a:latin typeface="Arial" panose="020B0604020202020204" pitchFamily="34" charset="0"/>
+                <a:ea typeface="Times New Roman" panose="02020603050405020304" pitchFamily="18" charset="0"/>
+                <a:cs typeface="Arial" panose="020B0604020202020204" pitchFamily="34" charset="0"/>
+              </a:rPr>
+              <a:t>El sistema va a estar limitado a las reglas del negocio de Farmacias Gi.</a:t>
+            </a:r>
+            <a:endParaRPr lang="es-MX" u="none" strike="noStrike" dirty="0">
+              <a:effectLst/>
+              <a:latin typeface="Arial" panose="020B0604020202020204" pitchFamily="34" charset="0"/>
+              <a:ea typeface="Calibri" panose="020F0502020204030204" pitchFamily="34" charset="0"/>
+              <a:cs typeface="Arial" panose="020B0604020202020204" pitchFamily="34" charset="0"/>
+            </a:endParaRPr>
+          </a:p>
           <a:p>
             <a:pPr marL="285750" indent="-285750">
               <a:lnSpc>
@@ -8505,173 +8767,89 @@
               <a:buChar char="•"/>
             </a:pPr>
             <a:r>
-              <a:rPr lang="es-MX" b="0" i="0" dirty="0">
-                <a:solidFill>
-                  <a:srgbClr val="1D1C1D"/>
-                </a:solidFill>
+              <a:rPr lang="es-MX" dirty="0">
                 <a:effectLst/>
                 <a:latin typeface="Arial" panose="020B0604020202020204" pitchFamily="34" charset="0"/>
+                <a:ea typeface="Times New Roman" panose="02020603050405020304" pitchFamily="18" charset="0"/>
                 <a:cs typeface="Arial" panose="020B0604020202020204" pitchFamily="34" charset="0"/>
               </a:rPr>
-              <a:t>Código único para las acciones del empleado</a:t>
-            </a:r>
-          </a:p>
-          <a:p>
-            <a:pPr marL="285750" indent="-285750">
-              <a:lnSpc>
-                <a:spcPct val="150000"/>
-              </a:lnSpc>
-              <a:buFont typeface="Arial" panose="020B0604020202020204" pitchFamily="34" charset="0"/>
-              <a:buChar char="•"/>
-            </a:pPr>
-            <a:r>
-              <a:rPr lang="es-MX" b="0" i="0" dirty="0">
-                <a:solidFill>
-                  <a:srgbClr val="1D1C1D"/>
-                </a:solidFill>
+              <a:t>El </a:t>
+            </a:r>
+            <a:r>
+              <a:rPr lang="es-MX" dirty="0" err="1">
                 <a:effectLst/>
                 <a:latin typeface="Arial" panose="020B0604020202020204" pitchFamily="34" charset="0"/>
+                <a:ea typeface="Times New Roman" panose="02020603050405020304" pitchFamily="18" charset="0"/>
                 <a:cs typeface="Arial" panose="020B0604020202020204" pitchFamily="34" charset="0"/>
               </a:rPr>
-              <a:t>inventario intermedio para clientes con línea de crédito</a:t>
-            </a:r>
-          </a:p>
-          <a:p>
-            <a:pPr marL="285750" indent="-285750">
-              <a:lnSpc>
-                <a:spcPct val="150000"/>
-              </a:lnSpc>
-              <a:buFont typeface="Arial" panose="020B0604020202020204" pitchFamily="34" charset="0"/>
-              <a:buChar char="•"/>
-            </a:pPr>
-            <a:r>
-              <a:rPr lang="es-MX" b="0" i="0" dirty="0">
-                <a:solidFill>
-                  <a:srgbClr val="1D1C1D"/>
-                </a:solidFill>
+              <a:t>ecommerce</a:t>
+            </a:r>
+            <a:r>
+              <a:rPr lang="es-MX" dirty="0">
                 <a:effectLst/>
                 <a:latin typeface="Arial" panose="020B0604020202020204" pitchFamily="34" charset="0"/>
+                <a:ea typeface="Times New Roman" panose="02020603050405020304" pitchFamily="18" charset="0"/>
                 <a:cs typeface="Arial" panose="020B0604020202020204" pitchFamily="34" charset="0"/>
               </a:rPr>
-              <a:t>Notificación automática de la existencia de los productos</a:t>
-            </a:r>
-          </a:p>
-          <a:p>
-            <a:pPr marL="285750" indent="-285750">
-              <a:lnSpc>
-                <a:spcPct val="150000"/>
-              </a:lnSpc>
-              <a:buFont typeface="Arial" panose="020B0604020202020204" pitchFamily="34" charset="0"/>
-              <a:buChar char="•"/>
-            </a:pPr>
-            <a:r>
-              <a:rPr lang="es-MX" b="0" i="0" dirty="0">
-                <a:solidFill>
-                  <a:srgbClr val="1D1C1D"/>
-                </a:solidFill>
-                <a:effectLst/>
-                <a:latin typeface="Arial" panose="020B0604020202020204" pitchFamily="34" charset="0"/>
-                <a:cs typeface="Arial" panose="020B0604020202020204" pitchFamily="34" charset="0"/>
-              </a:rPr>
-              <a:t>Notificación </a:t>
-            </a:r>
-            <a:r>
-              <a:rPr lang="es-MX" b="0" i="0" dirty="0" err="1">
-                <a:solidFill>
-                  <a:srgbClr val="1D1C1D"/>
-                </a:solidFill>
-                <a:effectLst/>
-                <a:latin typeface="Arial" panose="020B0604020202020204" pitchFamily="34" charset="0"/>
-                <a:cs typeface="Arial" panose="020B0604020202020204" pitchFamily="34" charset="0"/>
-              </a:rPr>
-              <a:t>semi-automática</a:t>
-            </a:r>
-            <a:r>
-              <a:rPr lang="es-MX" b="0" i="0" dirty="0">
-                <a:solidFill>
-                  <a:srgbClr val="1D1C1D"/>
-                </a:solidFill>
-                <a:effectLst/>
-                <a:latin typeface="Arial" panose="020B0604020202020204" pitchFamily="34" charset="0"/>
-                <a:cs typeface="Arial" panose="020B0604020202020204" pitchFamily="34" charset="0"/>
-              </a:rPr>
-              <a:t> de caducidad de los productos</a:t>
-            </a:r>
-          </a:p>
-          <a:p>
-            <a:pPr marL="285750" indent="-285750">
-              <a:lnSpc>
-                <a:spcPct val="150000"/>
-              </a:lnSpc>
-              <a:buFont typeface="Arial" panose="020B0604020202020204" pitchFamily="34" charset="0"/>
-              <a:buChar char="•"/>
-            </a:pPr>
-            <a:r>
-              <a:rPr lang="es-MX" b="0" i="0" dirty="0">
-                <a:solidFill>
-                  <a:srgbClr val="1D1C1D"/>
-                </a:solidFill>
-                <a:effectLst/>
-                <a:latin typeface="Arial" panose="020B0604020202020204" pitchFamily="34" charset="0"/>
-                <a:cs typeface="Arial" panose="020B0604020202020204" pitchFamily="34" charset="0"/>
-              </a:rPr>
-              <a:t>Módulo de compras</a:t>
-            </a:r>
-          </a:p>
-          <a:p>
-            <a:pPr marL="285750" indent="-285750">
-              <a:lnSpc>
-                <a:spcPct val="150000"/>
-              </a:lnSpc>
-              <a:buFont typeface="Arial" panose="020B0604020202020204" pitchFamily="34" charset="0"/>
-              <a:buChar char="•"/>
-            </a:pPr>
-            <a:r>
-              <a:rPr lang="es-MX" b="0" i="0" dirty="0">
-                <a:solidFill>
-                  <a:srgbClr val="1D1C1D"/>
-                </a:solidFill>
-                <a:effectLst/>
-                <a:latin typeface="Arial" panose="020B0604020202020204" pitchFamily="34" charset="0"/>
-                <a:cs typeface="Arial" panose="020B0604020202020204" pitchFamily="34" charset="0"/>
-              </a:rPr>
-              <a:t>Módulo de reporte de compra-venta</a:t>
-            </a:r>
-          </a:p>
-          <a:p>
-            <a:pPr marL="285750" indent="-285750">
-              <a:lnSpc>
-                <a:spcPct val="150000"/>
-              </a:lnSpc>
-              <a:buFont typeface="Arial" panose="020B0604020202020204" pitchFamily="34" charset="0"/>
-              <a:buChar char="•"/>
-            </a:pPr>
-            <a:r>
-              <a:rPr lang="es-MX" b="0" i="0" dirty="0" err="1">
-                <a:solidFill>
-                  <a:srgbClr val="1D1C1D"/>
-                </a:solidFill>
-                <a:effectLst/>
-                <a:latin typeface="Arial" panose="020B0604020202020204" pitchFamily="34" charset="0"/>
-                <a:cs typeface="Arial" panose="020B0604020202020204" pitchFamily="34" charset="0"/>
-              </a:rPr>
-              <a:t>Ecommerce</a:t>
-            </a:r>
-            <a:endParaRPr lang="es-MX" b="0" i="0" dirty="0">
-              <a:solidFill>
-                <a:srgbClr val="1D1C1D"/>
-              </a:solidFill>
-              <a:effectLst/>
+              <a:t> solo aceptará  dos métodos de pagos: por medio de PayPal y en efectivo cuando le entreguen el producto en su domicilio mencionando que este último sólo será válido en Zimatlán de Álvarez.</a:t>
+            </a:r>
+            <a:endParaRPr lang="es-MX" dirty="0">
               <a:latin typeface="Arial" panose="020B0604020202020204" pitchFamily="34" charset="0"/>
               <a:cs typeface="Arial" panose="020B0604020202020204" pitchFamily="34" charset="0"/>
             </a:endParaRPr>
           </a:p>
         </p:txBody>
       </p:sp>
+      <p:pic>
+        <p:nvPicPr>
+          <p:cNvPr id="4" name="Imagen 3">
+            <a:extLst>
+              <a:ext uri="{FF2B5EF4-FFF2-40B4-BE49-F238E27FC236}">
+                <a16:creationId xmlns:a16="http://schemas.microsoft.com/office/drawing/2014/main" id="{82CD3153-1025-499B-B8F7-BA87A1FB73CC}"/>
+              </a:ext>
+            </a:extLst>
+          </p:cNvPr>
+          <p:cNvPicPr>
+            <a:picLocks noChangeAspect="1"/>
+          </p:cNvPicPr>
+          <p:nvPr/>
+        </p:nvPicPr>
+        <p:blipFill rotWithShape="1">
+          <a:blip r:embed="rId4"/>
+          <a:srcRect l="21848" t="28840" r="47608" b="25475"/>
+          <a:stretch/>
+        </p:blipFill>
+        <p:spPr>
+          <a:xfrm>
+            <a:off x="8878955" y="578119"/>
+            <a:ext cx="2292628" cy="1827576"/>
+          </a:xfrm>
+          <a:prstGeom prst="rect">
+            <a:avLst/>
+          </a:prstGeom>
+          <a:ln>
+            <a:noFill/>
+          </a:ln>
+          <a:effectLst>
+            <a:reflection blurRad="12700" stA="30000" endPos="30000" dist="5000" dir="5400000" sy="-100000" algn="bl" rotWithShape="0"/>
+          </a:effectLst>
+          <a:scene3d>
+            <a:camera prst="perspectiveContrastingLeftFacing">
+              <a:rot lat="300000" lon="19800000" rev="0"/>
+            </a:camera>
+            <a:lightRig rig="threePt" dir="t">
+              <a:rot lat="0" lon="0" rev="2700000"/>
+            </a:lightRig>
+          </a:scene3d>
+          <a:sp3d>
+            <a:bevelT w="63500" h="50800"/>
+          </a:sp3d>
+        </p:spPr>
+      </p:pic>
     </p:spTree>
     <p:extLst>
       <p:ext uri="{BB962C8B-B14F-4D97-AF65-F5344CB8AC3E}">
-        <p14:creationId xmlns:p14="http://schemas.microsoft.com/office/powerpoint/2010/main" val="461370616"/>
+        <p14:creationId xmlns:p14="http://schemas.microsoft.com/office/powerpoint/2010/main" val="4103274064"/>
       </p:ext>
     </p:extLst>
   </p:cSld>
@@ -8710,55 +8888,12 @@
           <a:chExt cx="0" cy="0"/>
         </a:xfrm>
       </p:grpSpPr>
-      <p:pic>
-        <p:nvPicPr>
-          <p:cNvPr id="6" name="Imagen 5">
+      <p:sp>
+        <p:nvSpPr>
+          <p:cNvPr id="2" name="CuadroTexto 1">
             <a:extLst>
               <a:ext uri="{FF2B5EF4-FFF2-40B4-BE49-F238E27FC236}">
-                <a16:creationId xmlns:a16="http://schemas.microsoft.com/office/drawing/2014/main" id="{0D1F5296-B03E-4926-BABA-8AA5EAA0F55F}"/>
-              </a:ext>
-            </a:extLst>
-          </p:cNvPr>
-          <p:cNvPicPr>
-            <a:picLocks noChangeAspect="1"/>
-          </p:cNvPicPr>
-          <p:nvPr/>
-        </p:nvPicPr>
-        <p:blipFill rotWithShape="1">
-          <a:blip r:embed="rId2">
-            <a:extLst>
-              <a:ext uri="{BEBA8EAE-BF5A-486C-A8C5-ECC9F3942E4B}">
-                <a14:imgProps xmlns:a14="http://schemas.microsoft.com/office/drawing/2010/main">
-                  <a14:imgLayer r:embed="rId3">
-                    <a14:imgEffect>
-                      <a14:backgroundRemoval t="38187" b="56868" l="31259" r="42533">
-                        <a14:foregroundMark x1="37042" y1="43544" x2="37042" y2="43544"/>
-                      </a14:backgroundRemoval>
-                    </a14:imgEffect>
-                  </a14:imgLayer>
-                </a14:imgProps>
-              </a:ext>
-            </a:extLst>
-          </a:blip>
-          <a:srcRect l="31630" t="38222" r="57392" b="43371"/>
-          <a:stretch/>
-        </p:blipFill>
-        <p:spPr>
-          <a:xfrm>
-            <a:off x="9597886" y="3161609"/>
-            <a:ext cx="1338470" cy="1196009"/>
-          </a:xfrm>
-          <a:prstGeom prst="rect">
-            <a:avLst/>
-          </a:prstGeom>
-        </p:spPr>
-      </p:pic>
-      <p:sp>
-        <p:nvSpPr>
-          <p:cNvPr id="3" name="CuadroTexto 2">
-            <a:extLst>
-              <a:ext uri="{FF2B5EF4-FFF2-40B4-BE49-F238E27FC236}">
-                <a16:creationId xmlns:a16="http://schemas.microsoft.com/office/drawing/2014/main" id="{8A49B418-25BE-484D-811D-F7FE21C72C35}"/>
+                <a16:creationId xmlns:a16="http://schemas.microsoft.com/office/drawing/2014/main" id="{535A342C-85A0-4F48-9F14-8416A777832D}"/>
               </a:ext>
             </a:extLst>
           </p:cNvPr>
@@ -8767,8 +8902,8 @@
         </p:nvSpPr>
         <p:spPr>
           <a:xfrm>
-            <a:off x="1142999" y="299824"/>
-            <a:ext cx="10416209" cy="5293757"/>
+            <a:off x="5088835" y="636104"/>
+            <a:ext cx="1750800" cy="677108"/>
           </a:xfrm>
           <a:prstGeom prst="rect">
             <a:avLst/>
@@ -8776,249 +8911,51 @@
           <a:noFill/>
         </p:spPr>
         <p:txBody>
+          <a:bodyPr wrap="none" rtlCol="0">
+            <a:spAutoFit/>
+          </a:bodyPr>
+          <a:lstStyle/>
+          <a:p>
+            <a:r>
+              <a:rPr lang="es-MX" sz="2000" b="1" dirty="0">
+                <a:latin typeface="Arial" panose="020B0604020202020204" pitchFamily="34" charset="0"/>
+                <a:cs typeface="Arial" panose="020B0604020202020204" pitchFamily="34" charset="0"/>
+              </a:rPr>
+              <a:t>Justificación</a:t>
+            </a:r>
+          </a:p>
+          <a:p>
+            <a:endParaRPr lang="es-MX" dirty="0"/>
+          </a:p>
+        </p:txBody>
+      </p:sp>
+      <p:sp>
+        <p:nvSpPr>
+          <p:cNvPr id="3" name="CuadroTexto 2">
+            <a:extLst>
+              <a:ext uri="{FF2B5EF4-FFF2-40B4-BE49-F238E27FC236}">
+                <a16:creationId xmlns:a16="http://schemas.microsoft.com/office/drawing/2014/main" id="{C7E7C02F-835A-468A-B69F-C200520CEC10}"/>
+              </a:ext>
+            </a:extLst>
+          </p:cNvPr>
+          <p:cNvSpPr txBox="1"/>
+          <p:nvPr/>
+        </p:nvSpPr>
+        <p:spPr>
+          <a:xfrm>
+            <a:off x="1318591" y="1583061"/>
+            <a:ext cx="8792818" cy="2949525"/>
+          </a:xfrm>
+          <a:prstGeom prst="rect">
+            <a:avLst/>
+          </a:prstGeom>
+          <a:noFill/>
+        </p:spPr>
+        <p:txBody>
           <a:bodyPr wrap="square">
             <a:spAutoFit/>
           </a:bodyPr>
           <a:lstStyle/>
-          <a:p>
-            <a:pPr algn="just">
-              <a:lnSpc>
-                <a:spcPct val="150000"/>
-              </a:lnSpc>
-              <a:spcBef>
-                <a:spcPts val="1400"/>
-              </a:spcBef>
-              <a:spcAft>
-                <a:spcPts val="400"/>
-              </a:spcAft>
-            </a:pPr>
-            <a:r>
-              <a:rPr lang="es-MX" sz="2000" b="1" dirty="0">
-                <a:solidFill>
-                  <a:srgbClr val="000000"/>
-                </a:solidFill>
-                <a:effectLst/>
-                <a:latin typeface="Arial" panose="020B0604020202020204" pitchFamily="34" charset="0"/>
-                <a:ea typeface="Times New Roman" panose="02020603050405020304" pitchFamily="18" charset="0"/>
-                <a:cs typeface="Arial" panose="020B0604020202020204" pitchFamily="34" charset="0"/>
-              </a:rPr>
-              <a:t>Alcances</a:t>
-            </a:r>
-            <a:endParaRPr lang="es-MX" dirty="0">
-              <a:effectLst/>
-              <a:latin typeface="Arial" panose="020B0604020202020204" pitchFamily="34" charset="0"/>
-              <a:ea typeface="Calibri" panose="020F0502020204030204" pitchFamily="34" charset="0"/>
-              <a:cs typeface="Arial" panose="020B0604020202020204" pitchFamily="34" charset="0"/>
-            </a:endParaRPr>
-          </a:p>
-          <a:p>
-            <a:pPr marL="285750" lvl="0" indent="-285750" algn="just">
-              <a:lnSpc>
-                <a:spcPct val="150000"/>
-              </a:lnSpc>
-              <a:spcAft>
-                <a:spcPts val="400"/>
-              </a:spcAft>
-              <a:buFont typeface="Arial" panose="020B0604020202020204" pitchFamily="34" charset="0"/>
-              <a:buChar char="•"/>
-            </a:pPr>
-            <a:r>
-              <a:rPr lang="es-MX" u="none" strike="noStrike" dirty="0">
-                <a:effectLst/>
-                <a:latin typeface="Arial" panose="020B0604020202020204" pitchFamily="34" charset="0"/>
-                <a:ea typeface="Times New Roman" panose="02020603050405020304" pitchFamily="18" charset="0"/>
-                <a:cs typeface="Arial" panose="020B0604020202020204" pitchFamily="34" charset="0"/>
-              </a:rPr>
-              <a:t>El sistema administrará el inventario de las sucursales de Farmacias GI.</a:t>
-            </a:r>
-            <a:endParaRPr lang="es-MX" u="none" strike="noStrike" dirty="0">
-              <a:effectLst/>
-              <a:latin typeface="Arial" panose="020B0604020202020204" pitchFamily="34" charset="0"/>
-              <a:ea typeface="Calibri" panose="020F0502020204030204" pitchFamily="34" charset="0"/>
-              <a:cs typeface="Arial" panose="020B0604020202020204" pitchFamily="34" charset="0"/>
-            </a:endParaRPr>
-          </a:p>
-          <a:p>
-            <a:pPr marL="285750" lvl="0" indent="-285750" algn="just">
-              <a:lnSpc>
-                <a:spcPct val="150000"/>
-              </a:lnSpc>
-              <a:spcAft>
-                <a:spcPts val="400"/>
-              </a:spcAft>
-              <a:buFont typeface="Arial" panose="020B0604020202020204" pitchFamily="34" charset="0"/>
-              <a:buChar char="•"/>
-            </a:pPr>
-            <a:r>
-              <a:rPr lang="es-MX" u="none" strike="noStrike" dirty="0">
-                <a:effectLst/>
-                <a:latin typeface="Arial" panose="020B0604020202020204" pitchFamily="34" charset="0"/>
-                <a:ea typeface="Times New Roman" panose="02020603050405020304" pitchFamily="18" charset="0"/>
-                <a:cs typeface="Arial" panose="020B0604020202020204" pitchFamily="34" charset="0"/>
-              </a:rPr>
-              <a:t>El sistema controlará la compra-venta de los productos.</a:t>
-            </a:r>
-            <a:endParaRPr lang="es-MX" u="none" strike="noStrike" dirty="0">
-              <a:effectLst/>
-              <a:latin typeface="Arial" panose="020B0604020202020204" pitchFamily="34" charset="0"/>
-              <a:ea typeface="Calibri" panose="020F0502020204030204" pitchFamily="34" charset="0"/>
-              <a:cs typeface="Arial" panose="020B0604020202020204" pitchFamily="34" charset="0"/>
-            </a:endParaRPr>
-          </a:p>
-          <a:p>
-            <a:pPr marL="285750" lvl="0" indent="-285750" algn="just">
-              <a:lnSpc>
-                <a:spcPct val="150000"/>
-              </a:lnSpc>
-              <a:spcAft>
-                <a:spcPts val="400"/>
-              </a:spcAft>
-              <a:buFont typeface="Arial" panose="020B0604020202020204" pitchFamily="34" charset="0"/>
-              <a:buChar char="•"/>
-            </a:pPr>
-            <a:r>
-              <a:rPr lang="es-MX" u="none" strike="noStrike" dirty="0">
-                <a:effectLst/>
-                <a:latin typeface="Arial" panose="020B0604020202020204" pitchFamily="34" charset="0"/>
-                <a:ea typeface="Times New Roman" panose="02020603050405020304" pitchFamily="18" charset="0"/>
-                <a:cs typeface="Arial" panose="020B0604020202020204" pitchFamily="34" charset="0"/>
-              </a:rPr>
-              <a:t>El sistema hará un control de inventario rápido.</a:t>
-            </a:r>
-          </a:p>
-          <a:p>
-            <a:pPr marL="285750" lvl="0" indent="-285750" algn="just">
-              <a:lnSpc>
-                <a:spcPct val="150000"/>
-              </a:lnSpc>
-              <a:spcAft>
-                <a:spcPts val="400"/>
-              </a:spcAft>
-              <a:buFont typeface="Arial" panose="020B0604020202020204" pitchFamily="34" charset="0"/>
-              <a:buChar char="•"/>
-            </a:pPr>
-            <a:endParaRPr lang="es-MX" u="none" strike="noStrike" dirty="0">
-              <a:effectLst/>
-              <a:latin typeface="Arial" panose="020B0604020202020204" pitchFamily="34" charset="0"/>
-              <a:ea typeface="Calibri" panose="020F0502020204030204" pitchFamily="34" charset="0"/>
-              <a:cs typeface="Arial" panose="020B0604020202020204" pitchFamily="34" charset="0"/>
-            </a:endParaRPr>
-          </a:p>
-          <a:p>
-            <a:pPr algn="just">
-              <a:lnSpc>
-                <a:spcPct val="150000"/>
-              </a:lnSpc>
-              <a:spcBef>
-                <a:spcPts val="1400"/>
-              </a:spcBef>
-              <a:spcAft>
-                <a:spcPts val="400"/>
-              </a:spcAft>
-            </a:pPr>
-            <a:r>
-              <a:rPr lang="es-MX" sz="2000" b="1" dirty="0">
-                <a:solidFill>
-                  <a:srgbClr val="000000"/>
-                </a:solidFill>
-                <a:effectLst/>
-                <a:latin typeface="Arial" panose="020B0604020202020204" pitchFamily="34" charset="0"/>
-                <a:ea typeface="Times New Roman" panose="02020603050405020304" pitchFamily="18" charset="0"/>
-                <a:cs typeface="Arial" panose="020B0604020202020204" pitchFamily="34" charset="0"/>
-              </a:rPr>
-              <a:t>Limitaciones</a:t>
-            </a:r>
-            <a:r>
-              <a:rPr lang="es-MX" b="1" dirty="0">
-                <a:solidFill>
-                  <a:srgbClr val="000000"/>
-                </a:solidFill>
-                <a:effectLst/>
-                <a:latin typeface="Arial" panose="020B0604020202020204" pitchFamily="34" charset="0"/>
-                <a:ea typeface="Times New Roman" panose="02020603050405020304" pitchFamily="18" charset="0"/>
-                <a:cs typeface="Arial" panose="020B0604020202020204" pitchFamily="34" charset="0"/>
-              </a:rPr>
-              <a:t>	</a:t>
-            </a:r>
-            <a:endParaRPr lang="es-MX" dirty="0">
-              <a:effectLst/>
-              <a:latin typeface="Arial" panose="020B0604020202020204" pitchFamily="34" charset="0"/>
-              <a:ea typeface="Calibri" panose="020F0502020204030204" pitchFamily="34" charset="0"/>
-              <a:cs typeface="Arial" panose="020B0604020202020204" pitchFamily="34" charset="0"/>
-            </a:endParaRPr>
-          </a:p>
-          <a:p>
-            <a:pPr marL="285750" lvl="0" indent="-285750" algn="just">
-              <a:lnSpc>
-                <a:spcPct val="150000"/>
-              </a:lnSpc>
-              <a:spcAft>
-                <a:spcPts val="400"/>
-              </a:spcAft>
-              <a:buFont typeface="Arial" panose="020B0604020202020204" pitchFamily="34" charset="0"/>
-              <a:buChar char="•"/>
-            </a:pPr>
-            <a:r>
-              <a:rPr lang="es-MX" u="none" strike="noStrike" dirty="0">
-                <a:effectLst/>
-                <a:latin typeface="Arial" panose="020B0604020202020204" pitchFamily="34" charset="0"/>
-                <a:ea typeface="Times New Roman" panose="02020603050405020304" pitchFamily="18" charset="0"/>
-                <a:cs typeface="Arial" panose="020B0604020202020204" pitchFamily="34" charset="0"/>
-              </a:rPr>
-              <a:t>El </a:t>
-            </a:r>
-            <a:r>
-              <a:rPr lang="es-MX" u="none" strike="noStrike" dirty="0" err="1">
-                <a:effectLst/>
-                <a:latin typeface="Arial" panose="020B0604020202020204" pitchFamily="34" charset="0"/>
-                <a:ea typeface="Times New Roman" panose="02020603050405020304" pitchFamily="18" charset="0"/>
-                <a:cs typeface="Arial" panose="020B0604020202020204" pitchFamily="34" charset="0"/>
-              </a:rPr>
-              <a:t>ecommerce</a:t>
-            </a:r>
-            <a:r>
-              <a:rPr lang="es-MX" u="none" strike="noStrike" dirty="0">
-                <a:effectLst/>
-                <a:latin typeface="Arial" panose="020B0604020202020204" pitchFamily="34" charset="0"/>
-                <a:ea typeface="Times New Roman" panose="02020603050405020304" pitchFamily="18" charset="0"/>
-                <a:cs typeface="Arial" panose="020B0604020202020204" pitchFamily="34" charset="0"/>
-              </a:rPr>
-              <a:t> sólo podrá realizar ventas en Zimatlán de Álvarez, Oaxaca. </a:t>
-            </a:r>
-            <a:endParaRPr lang="es-MX" u="none" strike="noStrike" dirty="0">
-              <a:effectLst/>
-              <a:latin typeface="Arial" panose="020B0604020202020204" pitchFamily="34" charset="0"/>
-              <a:ea typeface="Calibri" panose="020F0502020204030204" pitchFamily="34" charset="0"/>
-              <a:cs typeface="Arial" panose="020B0604020202020204" pitchFamily="34" charset="0"/>
-            </a:endParaRPr>
-          </a:p>
-          <a:p>
-            <a:pPr marL="285750" lvl="0" indent="-285750" algn="just">
-              <a:lnSpc>
-                <a:spcPct val="150000"/>
-              </a:lnSpc>
-              <a:spcAft>
-                <a:spcPts val="400"/>
-              </a:spcAft>
-              <a:buFont typeface="Arial" panose="020B0604020202020204" pitchFamily="34" charset="0"/>
-              <a:buChar char="•"/>
-            </a:pPr>
-            <a:r>
-              <a:rPr lang="es-MX" u="none" strike="noStrike" dirty="0">
-                <a:effectLst/>
-                <a:latin typeface="Arial" panose="020B0604020202020204" pitchFamily="34" charset="0"/>
-                <a:ea typeface="Times New Roman" panose="02020603050405020304" pitchFamily="18" charset="0"/>
-                <a:cs typeface="Arial" panose="020B0604020202020204" pitchFamily="34" charset="0"/>
-              </a:rPr>
-              <a:t>El sistema va a estar limitado a las reglas del negocio de Farmacias Gi.</a:t>
-            </a:r>
-            <a:endParaRPr lang="es-MX" u="none" strike="noStrike" dirty="0">
-              <a:effectLst/>
-              <a:latin typeface="Arial" panose="020B0604020202020204" pitchFamily="34" charset="0"/>
-              <a:ea typeface="Calibri" panose="020F0502020204030204" pitchFamily="34" charset="0"/>
-              <a:cs typeface="Arial" panose="020B0604020202020204" pitchFamily="34" charset="0"/>
-            </a:endParaRPr>
-          </a:p>
           <a:p>
             <a:pPr marL="285750" indent="-285750">
               <a:lnSpc>
@@ -9028,89 +8965,173 @@
               <a:buChar char="•"/>
             </a:pPr>
             <a:r>
-              <a:rPr lang="es-MX" dirty="0">
+              <a:rPr lang="es-MX" b="0" i="0" dirty="0">
+                <a:solidFill>
+                  <a:srgbClr val="1D1C1D"/>
+                </a:solidFill>
                 <a:effectLst/>
                 <a:latin typeface="Arial" panose="020B0604020202020204" pitchFamily="34" charset="0"/>
-                <a:ea typeface="Times New Roman" panose="02020603050405020304" pitchFamily="18" charset="0"/>
                 <a:cs typeface="Arial" panose="020B0604020202020204" pitchFamily="34" charset="0"/>
               </a:rPr>
-              <a:t>El </a:t>
-            </a:r>
-            <a:r>
-              <a:rPr lang="es-MX" dirty="0" err="1">
+              <a:t>Código único para las acciones del empleado</a:t>
+            </a:r>
+          </a:p>
+          <a:p>
+            <a:pPr marL="285750" indent="-285750">
+              <a:lnSpc>
+                <a:spcPct val="150000"/>
+              </a:lnSpc>
+              <a:buFont typeface="Arial" panose="020B0604020202020204" pitchFamily="34" charset="0"/>
+              <a:buChar char="•"/>
+            </a:pPr>
+            <a:r>
+              <a:rPr lang="es-MX" b="0" i="0" dirty="0">
+                <a:solidFill>
+                  <a:srgbClr val="1D1C1D"/>
+                </a:solidFill>
                 <a:effectLst/>
                 <a:latin typeface="Arial" panose="020B0604020202020204" pitchFamily="34" charset="0"/>
-                <a:ea typeface="Times New Roman" panose="02020603050405020304" pitchFamily="18" charset="0"/>
                 <a:cs typeface="Arial" panose="020B0604020202020204" pitchFamily="34" charset="0"/>
               </a:rPr>
-              <a:t>ecommerce</a:t>
-            </a:r>
-            <a:r>
-              <a:rPr lang="es-MX" dirty="0">
+              <a:t>inventario intermedio para clientes con línea de crédito</a:t>
+            </a:r>
+          </a:p>
+          <a:p>
+            <a:pPr marL="285750" indent="-285750">
+              <a:lnSpc>
+                <a:spcPct val="150000"/>
+              </a:lnSpc>
+              <a:buFont typeface="Arial" panose="020B0604020202020204" pitchFamily="34" charset="0"/>
+              <a:buChar char="•"/>
+            </a:pPr>
+            <a:r>
+              <a:rPr lang="es-MX" b="0" i="0" dirty="0">
+                <a:solidFill>
+                  <a:srgbClr val="1D1C1D"/>
+                </a:solidFill>
                 <a:effectLst/>
                 <a:latin typeface="Arial" panose="020B0604020202020204" pitchFamily="34" charset="0"/>
-                <a:ea typeface="Times New Roman" panose="02020603050405020304" pitchFamily="18" charset="0"/>
                 <a:cs typeface="Arial" panose="020B0604020202020204" pitchFamily="34" charset="0"/>
               </a:rPr>
-              <a:t> solo aceptará  dos métodos de pagos: por medio de PayPal y en efectivo cuando le entreguen el producto en su domicilio mencionando que este último sólo será válido en Zimatlán de Álvarez.</a:t>
-            </a:r>
-            <a:endParaRPr lang="es-MX" dirty="0">
+              <a:t>Notificación automática de la existencia de los productos</a:t>
+            </a:r>
+          </a:p>
+          <a:p>
+            <a:pPr marL="285750" indent="-285750">
+              <a:lnSpc>
+                <a:spcPct val="150000"/>
+              </a:lnSpc>
+              <a:buFont typeface="Arial" panose="020B0604020202020204" pitchFamily="34" charset="0"/>
+              <a:buChar char="•"/>
+            </a:pPr>
+            <a:r>
+              <a:rPr lang="es-MX" b="0" i="0" dirty="0">
+                <a:solidFill>
+                  <a:srgbClr val="1D1C1D"/>
+                </a:solidFill>
+                <a:effectLst/>
+                <a:latin typeface="Arial" panose="020B0604020202020204" pitchFamily="34" charset="0"/>
+                <a:cs typeface="Arial" panose="020B0604020202020204" pitchFamily="34" charset="0"/>
+              </a:rPr>
+              <a:t>Notificación </a:t>
+            </a:r>
+            <a:r>
+              <a:rPr lang="es-MX" b="0" i="0" dirty="0" err="1">
+                <a:solidFill>
+                  <a:srgbClr val="1D1C1D"/>
+                </a:solidFill>
+                <a:effectLst/>
+                <a:latin typeface="Arial" panose="020B0604020202020204" pitchFamily="34" charset="0"/>
+                <a:cs typeface="Arial" panose="020B0604020202020204" pitchFamily="34" charset="0"/>
+              </a:rPr>
+              <a:t>semi-automática</a:t>
+            </a:r>
+            <a:r>
+              <a:rPr lang="es-MX" b="0" i="0" dirty="0">
+                <a:solidFill>
+                  <a:srgbClr val="1D1C1D"/>
+                </a:solidFill>
+                <a:effectLst/>
+                <a:latin typeface="Arial" panose="020B0604020202020204" pitchFamily="34" charset="0"/>
+                <a:cs typeface="Arial" panose="020B0604020202020204" pitchFamily="34" charset="0"/>
+              </a:rPr>
+              <a:t> de caducidad de los productos</a:t>
+            </a:r>
+          </a:p>
+          <a:p>
+            <a:pPr marL="285750" indent="-285750">
+              <a:lnSpc>
+                <a:spcPct val="150000"/>
+              </a:lnSpc>
+              <a:buFont typeface="Arial" panose="020B0604020202020204" pitchFamily="34" charset="0"/>
+              <a:buChar char="•"/>
+            </a:pPr>
+            <a:r>
+              <a:rPr lang="es-MX" b="0" i="0" dirty="0">
+                <a:solidFill>
+                  <a:srgbClr val="1D1C1D"/>
+                </a:solidFill>
+                <a:effectLst/>
+                <a:latin typeface="Arial" panose="020B0604020202020204" pitchFamily="34" charset="0"/>
+                <a:cs typeface="Arial" panose="020B0604020202020204" pitchFamily="34" charset="0"/>
+              </a:rPr>
+              <a:t>Módulo de compras</a:t>
+            </a:r>
+          </a:p>
+          <a:p>
+            <a:pPr marL="285750" indent="-285750">
+              <a:lnSpc>
+                <a:spcPct val="150000"/>
+              </a:lnSpc>
+              <a:buFont typeface="Arial" panose="020B0604020202020204" pitchFamily="34" charset="0"/>
+              <a:buChar char="•"/>
+            </a:pPr>
+            <a:r>
+              <a:rPr lang="es-MX" b="0" i="0" dirty="0">
+                <a:solidFill>
+                  <a:srgbClr val="1D1C1D"/>
+                </a:solidFill>
+                <a:effectLst/>
+                <a:latin typeface="Arial" panose="020B0604020202020204" pitchFamily="34" charset="0"/>
+                <a:cs typeface="Arial" panose="020B0604020202020204" pitchFamily="34" charset="0"/>
+              </a:rPr>
+              <a:t>Módulo de reporte de compra-venta</a:t>
+            </a:r>
+          </a:p>
+          <a:p>
+            <a:pPr marL="285750" indent="-285750">
+              <a:lnSpc>
+                <a:spcPct val="150000"/>
+              </a:lnSpc>
+              <a:buFont typeface="Arial" panose="020B0604020202020204" pitchFamily="34" charset="0"/>
+              <a:buChar char="•"/>
+            </a:pPr>
+            <a:r>
+              <a:rPr lang="es-MX" b="0" i="0" dirty="0" err="1">
+                <a:solidFill>
+                  <a:srgbClr val="1D1C1D"/>
+                </a:solidFill>
+                <a:effectLst/>
+                <a:latin typeface="Arial" panose="020B0604020202020204" pitchFamily="34" charset="0"/>
+                <a:cs typeface="Arial" panose="020B0604020202020204" pitchFamily="34" charset="0"/>
+              </a:rPr>
+              <a:t>Ecommerce</a:t>
+            </a:r>
+            <a:endParaRPr lang="es-MX" b="0" i="0" dirty="0">
+              <a:solidFill>
+                <a:srgbClr val="1D1C1D"/>
+              </a:solidFill>
+              <a:effectLst/>
               <a:latin typeface="Arial" panose="020B0604020202020204" pitchFamily="34" charset="0"/>
               <a:cs typeface="Arial" panose="020B0604020202020204" pitchFamily="34" charset="0"/>
             </a:endParaRPr>
           </a:p>
         </p:txBody>
       </p:sp>
-      <p:pic>
-        <p:nvPicPr>
-          <p:cNvPr id="4" name="Imagen 3">
-            <a:extLst>
-              <a:ext uri="{FF2B5EF4-FFF2-40B4-BE49-F238E27FC236}">
-                <a16:creationId xmlns:a16="http://schemas.microsoft.com/office/drawing/2014/main" id="{82CD3153-1025-499B-B8F7-BA87A1FB73CC}"/>
-              </a:ext>
-            </a:extLst>
-          </p:cNvPr>
-          <p:cNvPicPr>
-            <a:picLocks noChangeAspect="1"/>
-          </p:cNvPicPr>
-          <p:nvPr/>
-        </p:nvPicPr>
-        <p:blipFill rotWithShape="1">
-          <a:blip r:embed="rId4"/>
-          <a:srcRect l="21848" t="28840" r="47608" b="25475"/>
-          <a:stretch/>
-        </p:blipFill>
-        <p:spPr>
-          <a:xfrm>
-            <a:off x="8878955" y="578119"/>
-            <a:ext cx="2292628" cy="1827576"/>
-          </a:xfrm>
-          <a:prstGeom prst="rect">
-            <a:avLst/>
-          </a:prstGeom>
-          <a:ln>
-            <a:noFill/>
-          </a:ln>
-          <a:effectLst>
-            <a:reflection blurRad="12700" stA="30000" endPos="30000" dist="5000" dir="5400000" sy="-100000" algn="bl" rotWithShape="0"/>
-          </a:effectLst>
-          <a:scene3d>
-            <a:camera prst="perspectiveContrastingLeftFacing">
-              <a:rot lat="300000" lon="19800000" rev="0"/>
-            </a:camera>
-            <a:lightRig rig="threePt" dir="t">
-              <a:rot lat="0" lon="0" rev="2700000"/>
-            </a:lightRig>
-          </a:scene3d>
-          <a:sp3d>
-            <a:bevelT w="63500" h="50800"/>
-          </a:sp3d>
-        </p:spPr>
-      </p:pic>
     </p:spTree>
     <p:extLst>
       <p:ext uri="{BB962C8B-B14F-4D97-AF65-F5344CB8AC3E}">
-        <p14:creationId xmlns:p14="http://schemas.microsoft.com/office/powerpoint/2010/main" val="4103274064"/>
+        <p14:creationId xmlns:p14="http://schemas.microsoft.com/office/powerpoint/2010/main" val="461370616"/>
       </p:ext>
     </p:extLst>
   </p:cSld>
